--- a/Week 3/wk3_PHYS3116_2025T3_spotted_python_slides.pptx
+++ b/Week 3/wk3_PHYS3116_2025T3_spotted_python_slides.pptx
@@ -9198,6 +9198,33 @@
               </a:buBlip>
             </a:pPr>
             <a:r>
+              <a:rPr lang="en-US" dirty="0">
+                <a:solidFill>
+                  <a:schemeClr val="accent5"/>
+                </a:solidFill>
+                <a:hlinkClick r:id="rId3">
+                  <a:extLst>
+                    <a:ext uri="{A12FA001-AC4F-418D-AE19-62706E023703}">
+                      <ahyp:hlinkClr xmlns:ahyp="http://schemas.microsoft.com/office/drawing/2018/hyperlinkcolor" val="tx"/>
+                    </a:ext>
+                  </a:extLst>
+                </a:hlinkClick>
+              </a:rPr>
+              <a:t>https://github.com/mithebell/PHYS3116</a:t>
+            </a:r>
+            <a:endParaRPr lang="en-US" dirty="0">
+              <a:solidFill>
+                <a:schemeClr val="accent5"/>
+              </a:solidFill>
+            </a:endParaRPr>
+          </a:p>
+          <a:p>
+            <a:pPr marL="457200" indent="-457200">
+              <a:buBlip>
+                <a:blip r:embed="rId2"/>
+              </a:buBlip>
+            </a:pPr>
+            <a:r>
               <a:rPr lang="en-US" dirty="0"/>
               <a:t>Lists are a sequence of objects enclosed in [ ] and separated by commas</a:t>
             </a:r>
@@ -9286,7 +9313,7 @@
         </p:nvGrpSpPr>
         <p:grpSpPr>
           <a:xfrm>
-            <a:off x="962339" y="2828778"/>
+            <a:off x="962339" y="3385743"/>
             <a:ext cx="9429121" cy="2499344"/>
             <a:chOff x="1247350" y="3649146"/>
             <a:chExt cx="9429121" cy="2499344"/>
@@ -9307,7 +9334,7 @@
             <p:nvPr/>
           </p:nvPicPr>
           <p:blipFill rotWithShape="1">
-            <a:blip r:embed="rId3"/>
+            <a:blip r:embed="rId4"/>
             <a:srcRect l="14010" r="15234"/>
             <a:stretch/>
           </p:blipFill>
@@ -9336,7 +9363,7 @@
             <p:nvPr/>
           </p:nvPicPr>
           <p:blipFill>
-            <a:blip r:embed="rId4"/>
+            <a:blip r:embed="rId5"/>
             <a:stretch>
               <a:fillRect/>
             </a:stretch>
